--- a/files/分享/数据部 hadoop 实践.pptx
+++ b/files/分享/数据部 hadoop 实践.pptx
@@ -123,6 +123,22 @@
       </a:defRPr>
     </a:lvl9pPr>
   </p:defaultTextStyle>
+  <p:extLst>
+    <p:ext uri="{EFAFB233-063F-42B5-8137-9DF3F51BA10A}">
+      <p15:sldGuideLst xmlns:p15="http://schemas.microsoft.com/office/powerpoint/2012/main">
+        <p15:guide id="1" orient="horz" pos="2160">
+          <p15:clr>
+            <a:srgbClr val="A4A3A4"/>
+          </p15:clr>
+        </p15:guide>
+        <p15:guide id="2" pos="2880">
+          <p15:clr>
+            <a:srgbClr val="A4A3A4"/>
+          </p15:clr>
+        </p15:guide>
+      </p15:sldGuideLst>
+    </p:ext>
+  </p:extLst>
 </p:presentation>
 </file>
 
@@ -322,7 +338,7 @@
           <a:p>
             <a:fld id="{679BC7E7-EA8E-4DA7-915E-CC098D9BADCB}" type="datetimeFigureOut">
               <a:rPr lang="en-US" smtClean="0"/>
-              <a:t>15/11/10</a:t>
+              <a:t>3/20/17</a:t>
             </a:fld>
             <a:endParaRPr lang="en-US"/>
           </a:p>
@@ -451,7 +467,7 @@
           <a:p>
             <a:fld id="{679BC7E7-EA8E-4DA7-915E-CC098D9BADCB}" type="datetimeFigureOut">
               <a:rPr lang="en-US" smtClean="0"/>
-              <a:t>15/11/10</a:t>
+              <a:t>3/20/17</a:t>
             </a:fld>
             <a:endParaRPr lang="en-US"/>
           </a:p>
@@ -756,7 +772,7 @@
           <a:p>
             <a:fld id="{679BC7E7-EA8E-4DA7-915E-CC098D9BADCB}" type="datetimeFigureOut">
               <a:rPr lang="en-US" smtClean="0"/>
-              <a:t>15/11/10</a:t>
+              <a:t>3/20/17</a:t>
             </a:fld>
             <a:endParaRPr lang="en-US"/>
           </a:p>
@@ -981,7 +997,7 @@
           <a:p>
             <a:fld id="{679BC7E7-EA8E-4DA7-915E-CC098D9BADCB}" type="datetimeFigureOut">
               <a:rPr lang="en-US" smtClean="0"/>
-              <a:t>15/11/10</a:t>
+              <a:t>3/20/17</a:t>
             </a:fld>
             <a:endParaRPr lang="en-US"/>
           </a:p>
@@ -1251,7 +1267,7 @@
           <a:p>
             <a:fld id="{679BC7E7-EA8E-4DA7-915E-CC098D9BADCB}" type="datetimeFigureOut">
               <a:rPr lang="en-US" smtClean="0"/>
-              <a:t>15/11/10</a:t>
+              <a:t>3/20/17</a:t>
             </a:fld>
             <a:endParaRPr lang="en-US"/>
           </a:p>
@@ -1576,7 +1592,7 @@
           <a:p>
             <a:fld id="{679BC7E7-EA8E-4DA7-915E-CC098D9BADCB}" type="datetimeFigureOut">
               <a:rPr lang="en-US" smtClean="0"/>
-              <a:t>15/11/10</a:t>
+              <a:t>3/20/17</a:t>
             </a:fld>
             <a:endParaRPr lang="en-US"/>
           </a:p>
@@ -1769,7 +1785,7 @@
           <a:p>
             <a:fld id="{679BC7E7-EA8E-4DA7-915E-CC098D9BADCB}" type="datetimeFigureOut">
               <a:rPr lang="en-US" smtClean="0"/>
-              <a:t>15/11/10</a:t>
+              <a:t>3/20/17</a:t>
             </a:fld>
             <a:endParaRPr lang="en-US"/>
           </a:p>
@@ -1873,7 +1889,7 @@
           <a:p>
             <a:fld id="{679BC7E7-EA8E-4DA7-915E-CC098D9BADCB}" type="datetimeFigureOut">
               <a:rPr lang="en-US" smtClean="0"/>
-              <a:t>15/11/10</a:t>
+              <a:t>3/20/17</a:t>
             </a:fld>
             <a:endParaRPr lang="en-US"/>
           </a:p>
@@ -2042,7 +2058,7 @@
           <a:p>
             <a:fld id="{679BC7E7-EA8E-4DA7-915E-CC098D9BADCB}" type="datetimeFigureOut">
               <a:rPr lang="en-US" smtClean="0"/>
-              <a:t>15/11/10</a:t>
+              <a:t>3/20/17</a:t>
             </a:fld>
             <a:endParaRPr lang="en-US"/>
           </a:p>
@@ -2306,7 +2322,7 @@
           <a:p>
             <a:fld id="{679BC7E7-EA8E-4DA7-915E-CC098D9BADCB}" type="datetimeFigureOut">
               <a:rPr lang="en-US" smtClean="0"/>
-              <a:t>15/11/10</a:t>
+              <a:t>3/20/17</a:t>
             </a:fld>
             <a:endParaRPr lang="en-US"/>
           </a:p>
@@ -2640,7 +2656,7 @@
           <a:p>
             <a:fld id="{679BC7E7-EA8E-4DA7-915E-CC098D9BADCB}" type="datetimeFigureOut">
               <a:rPr lang="en-US" smtClean="0"/>
-              <a:t>15/11/10</a:t>
+              <a:t>3/20/17</a:t>
             </a:fld>
             <a:endParaRPr lang="en-US"/>
           </a:p>
@@ -3081,7 +3097,7 @@
           <a:p>
             <a:fld id="{679BC7E7-EA8E-4DA7-915E-CC098D9BADCB}" type="datetimeFigureOut">
               <a:rPr lang="en-US" smtClean="0"/>
-              <a:t>15/11/10</a:t>
+              <a:t>3/20/17</a:t>
             </a:fld>
             <a:endParaRPr lang="en-US"/>
           </a:p>
@@ -3279,7 +3295,7 @@
           <a:p>
             <a:fld id="{679BC7E7-EA8E-4DA7-915E-CC098D9BADCB}" type="datetimeFigureOut">
               <a:rPr lang="en-US" smtClean="0"/>
-              <a:t>15/11/10</a:t>
+              <a:t>3/20/17</a:t>
             </a:fld>
             <a:endParaRPr lang="en-US"/>
           </a:p>
@@ -3562,7 +3578,7 @@
           <a:p>
             <a:fld id="{679BC7E7-EA8E-4DA7-915E-CC098D9BADCB}" type="datetimeFigureOut">
               <a:rPr lang="en-US" smtClean="0"/>
-              <a:t>15/11/10</a:t>
+              <a:t>3/20/17</a:t>
             </a:fld>
             <a:endParaRPr lang="en-US"/>
           </a:p>
@@ -3930,7 +3946,7 @@
           <a:p>
             <a:fld id="{679BC7E7-EA8E-4DA7-915E-CC098D9BADCB}" type="datetimeFigureOut">
               <a:rPr lang="en-US" smtClean="0"/>
-              <a:t>15/11/10</a:t>
+              <a:t>3/20/17</a:t>
             </a:fld>
             <a:endParaRPr lang="en-US"/>
           </a:p>
@@ -4426,7 +4442,7 @@
           <a:p>
             <a:fld id="{679BC7E7-EA8E-4DA7-915E-CC098D9BADCB}" type="datetimeFigureOut">
               <a:rPr lang="en-US" smtClean="0"/>
-              <a:t>15/11/10</a:t>
+              <a:t>3/20/17</a:t>
             </a:fld>
             <a:endParaRPr lang="en-US"/>
           </a:p>
@@ -4635,7 +4651,7 @@
           <a:p>
             <a:fld id="{679BC7E7-EA8E-4DA7-915E-CC098D9BADCB}" type="datetimeFigureOut">
               <a:rPr lang="en-US" smtClean="0"/>
-              <a:t>15/11/10</a:t>
+              <a:t>3/20/17</a:t>
             </a:fld>
             <a:endParaRPr lang="en-US"/>
           </a:p>
@@ -5153,7 +5169,7 @@
   <p:timing>
     <p:tnLst>
       <p:par>
-        <p:cTn xmlns:p14="http://schemas.microsoft.com/office/powerpoint/2010/main" id="1" dur="indefinite" restart="never" nodeType="tmRoot"/>
+        <p:cTn id="1" dur="indefinite" restart="never" nodeType="tmRoot"/>
       </p:par>
     </p:tnLst>
   </p:timing>
@@ -5949,11 +5965,7 @@
             </a:r>
             <a:r>
               <a:rPr kumimoji="1" lang="en-US" altLang="zh-CN" dirty="0" smtClean="0"/>
-              <a:t> </a:t>
-            </a:r>
-            <a:r>
-              <a:rPr kumimoji="1" lang="en-US" altLang="zh-CN" dirty="0" smtClean="0"/>
-              <a:t>MR </a:t>
+              <a:t> MR </a:t>
             </a:r>
             <a:r>
               <a:rPr kumimoji="1" lang="zh-CN" altLang="en-US" dirty="0" smtClean="0"/>
@@ -6131,7 +6143,6 @@
               <a:rPr kumimoji="1" lang="en-US" altLang="en-US" dirty="0" smtClean="0"/>
               <a:t>引入了 Yarn </a:t>
             </a:r>
-            <a:endParaRPr kumimoji="1" lang="en-US" altLang="en-US" dirty="0" smtClean="0"/>
           </a:p>
           <a:p>
             <a:endParaRPr kumimoji="1" lang="zh-CN" altLang="en-US" dirty="0" smtClean="0"/>
@@ -6679,11 +6690,7 @@
           <a:p>
             <a:r>
               <a:rPr kumimoji="1" lang="en-US" altLang="zh-CN" dirty="0" smtClean="0"/>
-              <a:t>S</a:t>
-            </a:r>
-            <a:r>
-              <a:rPr kumimoji="1" lang="en-US" altLang="zh-CN" dirty="0" smtClean="0"/>
-              <a:t>park </a:t>
+              <a:t>Spark </a:t>
             </a:r>
             <a:r>
               <a:rPr kumimoji="1" lang="zh-CN" altLang="en-US" dirty="0" smtClean="0"/>
@@ -6742,19 +6749,7 @@
             </a:r>
             <a:r>
               <a:rPr kumimoji="1" lang="zh-CN" altLang="en-US" dirty="0" smtClean="0"/>
-              <a:t>可以将</a:t>
-            </a:r>
-            <a:r>
-              <a:rPr kumimoji="1" lang="zh-CN" altLang="en-US" dirty="0" smtClean="0"/>
-              <a:t>中间</a:t>
-            </a:r>
-            <a:r>
-              <a:rPr kumimoji="1" lang="zh-CN" altLang="en-US" dirty="0" smtClean="0"/>
-              <a:t>计算的</a:t>
-            </a:r>
-            <a:r>
-              <a:rPr kumimoji="1" lang="zh-CN" altLang="en-US" dirty="0" smtClean="0"/>
-              <a:t>数据</a:t>
+              <a:t>可以将中间计算的数据</a:t>
             </a:r>
             <a:r>
               <a:rPr kumimoji="1" lang="zh-CN" altLang="en-US" dirty="0"/>
@@ -6765,11 +6760,7 @@
           <a:p>
             <a:r>
               <a:rPr kumimoji="1" lang="en-US" altLang="zh-CN" dirty="0" smtClean="0"/>
-              <a:t>Spark</a:t>
-            </a:r>
-            <a:r>
-              <a:rPr kumimoji="1" lang="en-US" altLang="zh-CN" dirty="0" smtClean="0"/>
-              <a:t> </a:t>
+              <a:t>Spark </a:t>
             </a:r>
             <a:r>
               <a:rPr kumimoji="1" lang="zh-CN" altLang="en-US" dirty="0" smtClean="0"/>
@@ -6882,11 +6873,7 @@
           <a:p>
             <a:r>
               <a:rPr kumimoji="1" lang="en-US" altLang="zh-CN" dirty="0" smtClean="0"/>
-              <a:t>S</a:t>
-            </a:r>
-            <a:r>
-              <a:rPr kumimoji="1" lang="en-US" altLang="zh-CN" dirty="0" smtClean="0"/>
-              <a:t>park </a:t>
+              <a:t>Spark </a:t>
             </a:r>
             <a:r>
               <a:rPr kumimoji="1" lang="en-US" altLang="en-US" dirty="0" smtClean="0"/>
@@ -7490,11 +7477,7 @@
           <a:p>
             <a:r>
               <a:rPr kumimoji="1" lang="en-US" altLang="zh-CN" dirty="0" err="1" smtClean="0"/>
-              <a:t>H</a:t>
-            </a:r>
-            <a:r>
-              <a:rPr kumimoji="1" lang="en-US" altLang="zh-CN" dirty="0" err="1" smtClean="0"/>
-              <a:t>adoop</a:t>
+              <a:t>Hadoop</a:t>
             </a:r>
             <a:r>
               <a:rPr kumimoji="1" lang="en-US" altLang="zh-CN" dirty="0" smtClean="0"/>
@@ -7536,7 +7519,7 @@
   <p:timing>
     <p:tnLst>
       <p:par>
-        <p:cTn xmlns:p14="http://schemas.microsoft.com/office/powerpoint/2010/main" id="1" dur="indefinite" restart="never" nodeType="tmRoot"/>
+        <p:cTn id="1" dur="indefinite" restart="never" nodeType="tmRoot"/>
       </p:par>
     </p:tnLst>
   </p:timing>
@@ -7749,19 +7732,7 @@
             </a:r>
             <a:r>
               <a:rPr kumimoji="1" lang="zh-CN" altLang="en-US" dirty="0" smtClean="0"/>
-              <a:t>  </a:t>
-            </a:r>
-            <a:r>
-              <a:rPr kumimoji="1" lang="zh-CN" altLang="en-US" dirty="0" smtClean="0"/>
-              <a:t>则是为了对海量数据进行计算的</a:t>
-            </a:r>
-            <a:r>
-              <a:rPr kumimoji="1" lang="zh-CN" altLang="en-US" dirty="0" smtClean="0"/>
-              <a:t>分布式</a:t>
-            </a:r>
-            <a:r>
-              <a:rPr kumimoji="1" lang="zh-CN" altLang="en-US" dirty="0" smtClean="0"/>
-              <a:t>框架</a:t>
+              <a:t>  则是为了对海量数据进行计算的分布式框架</a:t>
             </a:r>
             <a:endParaRPr kumimoji="1" lang="en-US" altLang="zh-CN" dirty="0" smtClean="0"/>
           </a:p>
@@ -7810,7 +7781,7 @@
   <p:timing>
     <p:tnLst>
       <p:par>
-        <p:cTn xmlns:p14="http://schemas.microsoft.com/office/powerpoint/2010/main" id="1" dur="indefinite" restart="never" nodeType="tmRoot"/>
+        <p:cTn id="1" dur="indefinite" restart="never" nodeType="tmRoot"/>
       </p:par>
     </p:tnLst>
   </p:timing>
@@ -7859,19 +7830,7 @@
             </a:r>
             <a:r>
               <a:rPr kumimoji="1" lang="en-US" altLang="zh-CN" dirty="0" smtClean="0"/>
-              <a:t> </a:t>
-            </a:r>
-            <a:r>
-              <a:rPr kumimoji="1" lang="en-US" altLang="zh-CN" dirty="0" smtClean="0"/>
-              <a:t>1.0</a:t>
-            </a:r>
-            <a:r>
-              <a:rPr kumimoji="1" lang="en-US" altLang="zh-CN" dirty="0" smtClean="0"/>
-              <a:t> x</a:t>
-            </a:r>
-            <a:r>
-              <a:rPr kumimoji="1" lang="en-US" altLang="zh-CN" dirty="0" smtClean="0"/>
-              <a:t/>
+              <a:t> 1.0 x</a:t>
             </a:r>
             <a:br>
               <a:rPr kumimoji="1" lang="en-US" altLang="zh-CN" dirty="0" smtClean="0"/>
@@ -7985,7 +7944,19 @@
             </a:r>
             <a:r>
               <a:rPr kumimoji="1" lang="en-US" altLang="en-US" dirty="0" smtClean="0"/>
-              <a:t>文件的命令空间，维护整个文件系统树以及整棵树内所有的文件和目录。</a:t>
+              <a:t>文件的</a:t>
+            </a:r>
+            <a:r>
+              <a:rPr kumimoji="1" lang="zh-CN" altLang="en-US" smtClean="0"/>
+              <a:t>命名</a:t>
+            </a:r>
+            <a:r>
+              <a:rPr kumimoji="1" lang="en-US" altLang="en-US" smtClean="0"/>
+              <a:t>空间</a:t>
+            </a:r>
+            <a:r>
+              <a:rPr kumimoji="1" lang="en-US" altLang="en-US" dirty="0" smtClean="0"/>
+              <a:t>，维护整个文件系统树以及整棵树内所有的文件和目录。</a:t>
             </a:r>
           </a:p>
           <a:p>
@@ -8169,7 +8140,7 @@
   <p:timing>
     <p:tnLst>
       <p:par>
-        <p:cTn xmlns:p14="http://schemas.microsoft.com/office/powerpoint/2010/main" id="1" dur="indefinite" restart="never" nodeType="tmRoot"/>
+        <p:cTn id="1" dur="indefinite" restart="never" nodeType="tmRoot"/>
       </p:par>
     </p:tnLst>
   </p:timing>
@@ -8261,7 +8232,7 @@
   <p:timing>
     <p:tnLst>
       <p:par>
-        <p:cTn xmlns:p14="http://schemas.microsoft.com/office/powerpoint/2010/main" id="1" dur="indefinite" restart="never" nodeType="tmRoot"/>
+        <p:cTn id="1" dur="indefinite" restart="never" nodeType="tmRoot"/>
       </p:par>
     </p:tnLst>
   </p:timing>
@@ -8579,7 +8550,7 @@
   <p:timing>
     <p:tnLst>
       <p:par>
-        <p:cTn xmlns:p14="http://schemas.microsoft.com/office/powerpoint/2010/main" id="1" dur="indefinite" restart="never" nodeType="tmRoot"/>
+        <p:cTn id="1" dur="indefinite" restart="never" nodeType="tmRoot"/>
       </p:par>
     </p:tnLst>
   </p:timing>
